--- a/Documentations/Мир_труда_преза.pptx
+++ b/Documentations/Мир_труда_преза.pptx
@@ -4755,6 +4755,17 @@
                 <a:cs typeface="Liberation Sans"/>
               </a:rPr>
             </a:br>
+            <a:r>
+              <a:rPr sz="1200" b="0" i="0" u="none">
+                <a:solidFill>
+                  <a:schemeClr val="tx1"/>
+                </a:solidFill>
+                <a:latin typeface="Liberation Sans"/>
+                <a:ea typeface="Liberation Sans"/>
+                <a:cs typeface="Liberation Sans"/>
+              </a:rPr>
+              <a:t/>
+            </a:r>
             <a:br>
               <a:rPr sz="1200" b="0" i="0" u="none">
                 <a:solidFill>
@@ -7176,12 +7187,24 @@
             <a:br>
               <a:rPr lang="en-US"/>
             </a:br>
+            <a:r>
+              <a:rPr lang="en-US"/>
+              <a:t/>
+            </a:r>
             <a:br>
               <a:rPr lang="en-US"/>
             </a:br>
+            <a:r>
+              <a:rPr lang="en-US"/>
+              <a:t/>
+            </a:r>
             <a:br>
               <a:rPr lang="en-US"/>
             </a:br>
+            <a:r>
+              <a:rPr lang="en-US"/>
+              <a:t/>
+            </a:r>
             <a:br>
               <a:rPr lang="en-US"/>
             </a:br>
@@ -7206,7 +7229,13 @@
           <p:cNvGraphicFramePr>
             <a:graphicFrameLocks noGrp="1"/>
           </p:cNvGraphicFramePr>
-          <p:nvPr/>
+          <p:nvPr>
+            <p:extLst>
+              <p:ext uri="{D42A27DB-BD31-4B8C-83A1-F6EECF244321}">
+                <p14:modId xmlns:p14="http://schemas.microsoft.com/office/powerpoint/2010/main" val="885090891"/>
+              </p:ext>
+            </p:extLst>
+          </p:nvPr>
         </p:nvGraphicFramePr>
         <p:xfrm>
           <a:off x="753961" y="2264776"/>
@@ -7409,15 +7438,24 @@
                         <a:defRPr/>
                       </a:pPr>
                       <a:r>
-                        <a:rPr lang="en-US" sz="2300">
+                        <a:rPr lang="ru-RU" sz="2300" dirty="0" smtClean="0">
                           <a:solidFill>
                             <a:schemeClr val="tx1"/>
                           </a:solidFill>
                           <a:latin typeface="Staatliches"/>
                         </a:rPr>
-                        <a:t>16.01</a:t>
+                        <a:t>23</a:t>
                       </a:r>
-                      <a:endParaRPr/>
+                      <a:r>
+                        <a:rPr lang="en-US" sz="2300" dirty="0" smtClean="0">
+                          <a:solidFill>
+                            <a:schemeClr val="tx1"/>
+                          </a:solidFill>
+                          <a:latin typeface="Staatliches"/>
+                        </a:rPr>
+                        <a:t>.01</a:t>
+                      </a:r>
+                      <a:endParaRPr dirty="0"/>
                     </a:p>
                   </a:txBody>
                   <a:tcPr anchor="ctr">
@@ -8154,7 +8192,7 @@
                       <a:pPr>
                         <a:defRPr/>
                       </a:pPr>
-                      <a:endParaRPr/>
+                      <a:endParaRPr dirty="0"/>
                     </a:p>
                   </a:txBody>
                   <a:tcPr anchor="ctr">
@@ -9118,6 +9156,10 @@
               </a:rPr>
               <a:t>Использованные технологии:</a:t>
             </a:r>
+            <a:r>
+              <a:rPr sz="2600"/>
+              <a:t/>
+            </a:r>
             <a:br>
               <a:rPr sz="2600"/>
             </a:br>
@@ -9149,6 +9191,10 @@
               </a:rPr>
               <a:t> Python.</a:t>
             </a:r>
+            <a:r>
+              <a:rPr sz="2200"/>
+              <a:t/>
+            </a:r>
             <a:br>
               <a:rPr sz="2200"/>
             </a:br>
@@ -9179,6 +9225,10 @@
                 <a:cs typeface="Liberation Sans"/>
               </a:rPr>
               <a:t> Pygame для создания графического интерфейса и обработки событий.</a:t>
+            </a:r>
+            <a:r>
+              <a:rPr sz="2200"/>
+              <a:t/>
             </a:r>
             <a:br>
               <a:rPr sz="2200"/>
@@ -10797,15 +10847,23 @@
             <a:pPr algn="ctr">
               <a:defRPr/>
             </a:pPr>
+            <a:r>
+              <a:rPr lang="en-US" sz="2200" dirty="0">
+                <a:solidFill>
+                  <a:schemeClr val="tx1"/>
+                </a:solidFill>
+              </a:rPr>
+              <a:t/>
+            </a:r>
             <a:br>
-              <a:rPr lang="en-US" sz="2200">
+              <a:rPr lang="en-US" sz="2200" dirty="0">
                 <a:solidFill>
                   <a:schemeClr val="tx1"/>
                 </a:solidFill>
               </a:rPr>
             </a:br>
             <a:r>
-              <a:rPr sz="2200" b="1" i="0" u="none">
+              <a:rPr sz="2200" b="1" i="0" u="none" dirty="0" err="1">
                 <a:solidFill>
                   <a:schemeClr val="tx1"/>
                 </a:solidFill>
@@ -10813,16 +10871,57 @@
                 <a:ea typeface="Liberation Sans"/>
                 <a:cs typeface="Liberation Sans"/>
               </a:rPr>
-              <a:t>Структура приложения:</a:t>
+              <a:t>Структура</a:t>
+            </a:r>
+            <a:r>
+              <a:rPr sz="2200" b="1" i="0" u="none" dirty="0">
+                <a:solidFill>
+                  <a:schemeClr val="tx1"/>
+                </a:solidFill>
+                <a:latin typeface="Liberation Sans"/>
+                <a:ea typeface="Liberation Sans"/>
+                <a:cs typeface="Liberation Sans"/>
+              </a:rPr>
+              <a:t> </a:t>
+            </a:r>
+            <a:r>
+              <a:rPr sz="2200" b="1" i="0" u="none" dirty="0" err="1">
+                <a:solidFill>
+                  <a:schemeClr val="tx1"/>
+                </a:solidFill>
+                <a:latin typeface="Liberation Sans"/>
+                <a:ea typeface="Liberation Sans"/>
+                <a:cs typeface="Liberation Sans"/>
+              </a:rPr>
+              <a:t>приложения</a:t>
+            </a:r>
+            <a:r>
+              <a:rPr sz="2200" b="1" i="0" u="none" dirty="0">
+                <a:solidFill>
+                  <a:schemeClr val="tx1"/>
+                </a:solidFill>
+                <a:latin typeface="Liberation Sans"/>
+                <a:ea typeface="Liberation Sans"/>
+                <a:cs typeface="Liberation Sans"/>
+              </a:rPr>
+              <a:t>:</a:t>
+            </a:r>
+            <a:r>
+              <a:rPr sz="1800" dirty="0">
+                <a:solidFill>
+                  <a:schemeClr val="tx1"/>
+                </a:solidFill>
+              </a:rPr>
+              <a:t/>
             </a:r>
             <a:br>
-              <a:rPr sz="1800">
+              <a:rPr sz="1800" dirty="0">
                 <a:solidFill>
                   <a:schemeClr val="tx1"/>
                 </a:solidFill>
               </a:rPr>
             </a:br>
-            <a:endParaRPr sz="1800">
+            <a:endParaRPr sz="1800" dirty="0">
               <a:solidFill>
                 <a:schemeClr val="tx1"/>
               </a:solidFill>
@@ -10833,7 +10932,7 @@
               <a:defRPr/>
             </a:pPr>
             <a:r>
-              <a:rPr sz="1800" b="1" i="0" u="none">
+              <a:rPr sz="1800" b="1" i="0" u="none" dirty="0" err="1">
                 <a:solidFill>
                   <a:schemeClr val="tx1"/>
                 </a:solidFill>
@@ -10841,10 +10940,10 @@
                 <a:ea typeface="Liberation Sans"/>
                 <a:cs typeface="Liberation Sans"/>
               </a:rPr>
-              <a:t>mainMenu():</a:t>
+              <a:t>mainMenu</a:t>
             </a:r>
             <a:r>
-              <a:rPr sz="1800" b="0" i="0" u="none">
+              <a:rPr sz="1800" b="1" i="0" u="none" dirty="0">
                 <a:solidFill>
                   <a:schemeClr val="tx1"/>
                 </a:solidFill>
@@ -10852,16 +10951,233 @@
                 <a:ea typeface="Liberation Sans"/>
                 <a:cs typeface="Liberation Sans"/>
               </a:rPr>
-              <a:t> Главное меню, отображающее кнопки для начала игры, настроек и выхода.</a:t>
+              <a:t>():</a:t>
+            </a:r>
+            <a:r>
+              <a:rPr sz="1800" b="0" i="0" u="none" dirty="0">
+                <a:solidFill>
+                  <a:schemeClr val="tx1"/>
+                </a:solidFill>
+                <a:latin typeface="Liberation Sans"/>
+                <a:ea typeface="Liberation Sans"/>
+                <a:cs typeface="Liberation Sans"/>
+              </a:rPr>
+              <a:t> </a:t>
+            </a:r>
+            <a:r>
+              <a:rPr sz="1800" b="0" i="0" u="none" dirty="0" err="1">
+                <a:solidFill>
+                  <a:schemeClr val="tx1"/>
+                </a:solidFill>
+                <a:latin typeface="Liberation Sans"/>
+                <a:ea typeface="Liberation Sans"/>
+                <a:cs typeface="Liberation Sans"/>
+              </a:rPr>
+              <a:t>Главное</a:t>
+            </a:r>
+            <a:r>
+              <a:rPr sz="1800" b="0" i="0" u="none" dirty="0">
+                <a:solidFill>
+                  <a:schemeClr val="tx1"/>
+                </a:solidFill>
+                <a:latin typeface="Liberation Sans"/>
+                <a:ea typeface="Liberation Sans"/>
+                <a:cs typeface="Liberation Sans"/>
+              </a:rPr>
+              <a:t> </a:t>
+            </a:r>
+            <a:r>
+              <a:rPr sz="1800" b="0" i="0" u="none" dirty="0" err="1">
+                <a:solidFill>
+                  <a:schemeClr val="tx1"/>
+                </a:solidFill>
+                <a:latin typeface="Liberation Sans"/>
+                <a:ea typeface="Liberation Sans"/>
+                <a:cs typeface="Liberation Sans"/>
+              </a:rPr>
+              <a:t>меню</a:t>
+            </a:r>
+            <a:r>
+              <a:rPr sz="1800" b="0" i="0" u="none" dirty="0">
+                <a:solidFill>
+                  <a:schemeClr val="tx1"/>
+                </a:solidFill>
+                <a:latin typeface="Liberation Sans"/>
+                <a:ea typeface="Liberation Sans"/>
+                <a:cs typeface="Liberation Sans"/>
+              </a:rPr>
+              <a:t>, </a:t>
+            </a:r>
+            <a:r>
+              <a:rPr sz="1800" b="0" i="0" u="none" dirty="0" err="1">
+                <a:solidFill>
+                  <a:schemeClr val="tx1"/>
+                </a:solidFill>
+                <a:latin typeface="Liberation Sans"/>
+                <a:ea typeface="Liberation Sans"/>
+                <a:cs typeface="Liberation Sans"/>
+              </a:rPr>
+              <a:t>отображающее</a:t>
+            </a:r>
+            <a:r>
+              <a:rPr sz="1800" b="0" i="0" u="none" dirty="0">
+                <a:solidFill>
+                  <a:schemeClr val="tx1"/>
+                </a:solidFill>
+                <a:latin typeface="Liberation Sans"/>
+                <a:ea typeface="Liberation Sans"/>
+                <a:cs typeface="Liberation Sans"/>
+              </a:rPr>
+              <a:t> </a:t>
+            </a:r>
+            <a:r>
+              <a:rPr sz="1800" b="0" i="0" u="none" dirty="0" err="1">
+                <a:solidFill>
+                  <a:schemeClr val="tx1"/>
+                </a:solidFill>
+                <a:latin typeface="Liberation Sans"/>
+                <a:ea typeface="Liberation Sans"/>
+                <a:cs typeface="Liberation Sans"/>
+              </a:rPr>
+              <a:t>кнопки</a:t>
+            </a:r>
+            <a:r>
+              <a:rPr sz="1800" b="0" i="0" u="none" dirty="0">
+                <a:solidFill>
+                  <a:schemeClr val="tx1"/>
+                </a:solidFill>
+                <a:latin typeface="Liberation Sans"/>
+                <a:ea typeface="Liberation Sans"/>
+                <a:cs typeface="Liberation Sans"/>
+              </a:rPr>
+              <a:t> </a:t>
+            </a:r>
+            <a:r>
+              <a:rPr sz="1800" b="0" i="0" u="none" dirty="0" err="1">
+                <a:solidFill>
+                  <a:schemeClr val="tx1"/>
+                </a:solidFill>
+                <a:latin typeface="Liberation Sans"/>
+                <a:ea typeface="Liberation Sans"/>
+                <a:cs typeface="Liberation Sans"/>
+              </a:rPr>
+              <a:t>для</a:t>
+            </a:r>
+            <a:r>
+              <a:rPr sz="1800" b="0" i="0" u="none" dirty="0">
+                <a:solidFill>
+                  <a:schemeClr val="tx1"/>
+                </a:solidFill>
+                <a:latin typeface="Liberation Sans"/>
+                <a:ea typeface="Liberation Sans"/>
+                <a:cs typeface="Liberation Sans"/>
+              </a:rPr>
+              <a:t> </a:t>
+            </a:r>
+            <a:r>
+              <a:rPr sz="1800" b="0" i="0" u="none" dirty="0" err="1">
+                <a:solidFill>
+                  <a:schemeClr val="tx1"/>
+                </a:solidFill>
+                <a:latin typeface="Liberation Sans"/>
+                <a:ea typeface="Liberation Sans"/>
+                <a:cs typeface="Liberation Sans"/>
+              </a:rPr>
+              <a:t>начала</a:t>
+            </a:r>
+            <a:r>
+              <a:rPr sz="1800" b="0" i="0" u="none" dirty="0">
+                <a:solidFill>
+                  <a:schemeClr val="tx1"/>
+                </a:solidFill>
+                <a:latin typeface="Liberation Sans"/>
+                <a:ea typeface="Liberation Sans"/>
+                <a:cs typeface="Liberation Sans"/>
+              </a:rPr>
+              <a:t> </a:t>
+            </a:r>
+            <a:r>
+              <a:rPr sz="1800" b="0" i="0" u="none" dirty="0" err="1">
+                <a:solidFill>
+                  <a:schemeClr val="tx1"/>
+                </a:solidFill>
+                <a:latin typeface="Liberation Sans"/>
+                <a:ea typeface="Liberation Sans"/>
+                <a:cs typeface="Liberation Sans"/>
+              </a:rPr>
+              <a:t>игры</a:t>
+            </a:r>
+            <a:r>
+              <a:rPr sz="1800" b="0" i="0" u="none" dirty="0">
+                <a:solidFill>
+                  <a:schemeClr val="tx1"/>
+                </a:solidFill>
+                <a:latin typeface="Liberation Sans"/>
+                <a:ea typeface="Liberation Sans"/>
+                <a:cs typeface="Liberation Sans"/>
+              </a:rPr>
+              <a:t>, </a:t>
+            </a:r>
+            <a:r>
+              <a:rPr sz="1800" b="0" i="0" u="none" dirty="0" err="1">
+                <a:solidFill>
+                  <a:schemeClr val="tx1"/>
+                </a:solidFill>
+                <a:latin typeface="Liberation Sans"/>
+                <a:ea typeface="Liberation Sans"/>
+                <a:cs typeface="Liberation Sans"/>
+              </a:rPr>
+              <a:t>настроек</a:t>
+            </a:r>
+            <a:r>
+              <a:rPr sz="1800" b="0" i="0" u="none" dirty="0">
+                <a:solidFill>
+                  <a:schemeClr val="tx1"/>
+                </a:solidFill>
+                <a:latin typeface="Liberation Sans"/>
+                <a:ea typeface="Liberation Sans"/>
+                <a:cs typeface="Liberation Sans"/>
+              </a:rPr>
+              <a:t> и </a:t>
+            </a:r>
+            <a:r>
+              <a:rPr sz="1800" b="0" i="0" u="none" dirty="0" err="1">
+                <a:solidFill>
+                  <a:schemeClr val="tx1"/>
+                </a:solidFill>
+                <a:latin typeface="Liberation Sans"/>
+                <a:ea typeface="Liberation Sans"/>
+                <a:cs typeface="Liberation Sans"/>
+              </a:rPr>
+              <a:t>выхода</a:t>
+            </a:r>
+            <a:r>
+              <a:rPr sz="1800" b="0" i="0" u="none" dirty="0">
+                <a:solidFill>
+                  <a:schemeClr val="tx1"/>
+                </a:solidFill>
+                <a:latin typeface="Liberation Sans"/>
+                <a:ea typeface="Liberation Sans"/>
+                <a:cs typeface="Liberation Sans"/>
+              </a:rPr>
+              <a:t>.</a:t>
+            </a:r>
+            <a:r>
+              <a:rPr sz="1800" dirty="0">
+                <a:solidFill>
+                  <a:schemeClr val="tx1"/>
+                </a:solidFill>
+              </a:rPr>
+              <a:t/>
             </a:r>
             <a:br>
-              <a:rPr sz="1800">
+              <a:rPr sz="1800" dirty="0">
                 <a:solidFill>
                   <a:schemeClr val="tx1"/>
                 </a:solidFill>
               </a:rPr>
             </a:br>
-            <a:endParaRPr sz="1800">
+            <a:endParaRPr sz="1800" dirty="0">
               <a:solidFill>
                 <a:schemeClr val="tx1"/>
               </a:solidFill>
@@ -10872,7 +11188,7 @@
               <a:defRPr/>
             </a:pPr>
             <a:r>
-              <a:rPr sz="1800" b="1" i="0" u="none">
+              <a:rPr sz="1800" b="1" i="0" u="none" dirty="0">
                 <a:solidFill>
                   <a:schemeClr val="tx1"/>
                 </a:solidFill>
@@ -10883,7 +11199,7 @@
               <a:t>settings():</a:t>
             </a:r>
             <a:r>
-              <a:rPr sz="1800" b="0" i="0" u="none">
+              <a:rPr sz="1800" b="0" i="0" u="none" dirty="0">
                 <a:solidFill>
                   <a:schemeClr val="tx1"/>
                 </a:solidFill>
@@ -10891,16 +11207,156 @@
                 <a:ea typeface="Liberation Sans"/>
                 <a:cs typeface="Liberation Sans"/>
               </a:rPr>
-              <a:t> Окно с игровыми настройками, включая выбор сложности.</a:t>
+              <a:t> </a:t>
+            </a:r>
+            <a:r>
+              <a:rPr sz="1800" b="0" i="0" u="none" dirty="0" err="1">
+                <a:solidFill>
+                  <a:schemeClr val="tx1"/>
+                </a:solidFill>
+                <a:latin typeface="Liberation Sans"/>
+                <a:ea typeface="Liberation Sans"/>
+                <a:cs typeface="Liberation Sans"/>
+              </a:rPr>
+              <a:t>Окно</a:t>
+            </a:r>
+            <a:r>
+              <a:rPr sz="1800" b="0" i="0" u="none" dirty="0">
+                <a:solidFill>
+                  <a:schemeClr val="tx1"/>
+                </a:solidFill>
+                <a:latin typeface="Liberation Sans"/>
+                <a:ea typeface="Liberation Sans"/>
+                <a:cs typeface="Liberation Sans"/>
+              </a:rPr>
+              <a:t> с </a:t>
+            </a:r>
+            <a:r>
+              <a:rPr sz="1800" b="0" i="0" u="none" dirty="0" err="1">
+                <a:solidFill>
+                  <a:schemeClr val="tx1"/>
+                </a:solidFill>
+                <a:latin typeface="Liberation Sans"/>
+                <a:ea typeface="Liberation Sans"/>
+                <a:cs typeface="Liberation Sans"/>
+              </a:rPr>
+              <a:t>игровыми</a:t>
+            </a:r>
+            <a:r>
+              <a:rPr sz="1800" b="0" i="0" u="none" dirty="0">
+                <a:solidFill>
+                  <a:schemeClr val="tx1"/>
+                </a:solidFill>
+                <a:latin typeface="Liberation Sans"/>
+                <a:ea typeface="Liberation Sans"/>
+                <a:cs typeface="Liberation Sans"/>
+              </a:rPr>
+              <a:t> </a:t>
+            </a:r>
+            <a:r>
+              <a:rPr sz="1800" b="0" i="0" u="none" dirty="0" err="1">
+                <a:solidFill>
+                  <a:schemeClr val="tx1"/>
+                </a:solidFill>
+                <a:latin typeface="Liberation Sans"/>
+                <a:ea typeface="Liberation Sans"/>
+                <a:cs typeface="Liberation Sans"/>
+              </a:rPr>
+              <a:t>настройками</a:t>
+            </a:r>
+            <a:r>
+              <a:rPr sz="1800" b="0" i="0" u="none" dirty="0">
+                <a:solidFill>
+                  <a:schemeClr val="tx1"/>
+                </a:solidFill>
+                <a:latin typeface="Liberation Sans"/>
+                <a:ea typeface="Liberation Sans"/>
+                <a:cs typeface="Liberation Sans"/>
+              </a:rPr>
+              <a:t>, </a:t>
+            </a:r>
+            <a:r>
+              <a:rPr sz="1800" b="0" i="0" u="none" dirty="0" err="1">
+                <a:solidFill>
+                  <a:schemeClr val="tx1"/>
+                </a:solidFill>
+                <a:latin typeface="Liberation Sans"/>
+                <a:ea typeface="Liberation Sans"/>
+                <a:cs typeface="Liberation Sans"/>
+              </a:rPr>
+              <a:t>включая</a:t>
+            </a:r>
+            <a:r>
+              <a:rPr sz="1800" b="0" i="0" u="none" dirty="0">
+                <a:solidFill>
+                  <a:schemeClr val="tx1"/>
+                </a:solidFill>
+                <a:latin typeface="Liberation Sans"/>
+                <a:ea typeface="Liberation Sans"/>
+                <a:cs typeface="Liberation Sans"/>
+              </a:rPr>
+              <a:t> </a:t>
+            </a:r>
+            <a:r>
+              <a:rPr sz="1800" b="0" i="0" u="none" dirty="0" err="1">
+                <a:solidFill>
+                  <a:schemeClr val="tx1"/>
+                </a:solidFill>
+                <a:latin typeface="Liberation Sans"/>
+                <a:ea typeface="Liberation Sans"/>
+                <a:cs typeface="Liberation Sans"/>
+              </a:rPr>
+              <a:t>выбор</a:t>
+            </a:r>
+            <a:r>
+              <a:rPr sz="1800" b="0" i="0" u="none" dirty="0">
+                <a:solidFill>
+                  <a:schemeClr val="tx1"/>
+                </a:solidFill>
+                <a:latin typeface="Liberation Sans"/>
+                <a:ea typeface="Liberation Sans"/>
+                <a:cs typeface="Liberation Sans"/>
+              </a:rPr>
+              <a:t> </a:t>
+            </a:r>
+            <a:r>
+              <a:rPr sz="1800" b="0" i="0" u="none" dirty="0" err="1">
+                <a:solidFill>
+                  <a:schemeClr val="tx1"/>
+                </a:solidFill>
+                <a:latin typeface="Liberation Sans"/>
+                <a:ea typeface="Liberation Sans"/>
+                <a:cs typeface="Liberation Sans"/>
+              </a:rPr>
+              <a:t>сложности</a:t>
+            </a:r>
+            <a:r>
+              <a:rPr sz="1800" b="0" i="0" u="none" dirty="0">
+                <a:solidFill>
+                  <a:schemeClr val="tx1"/>
+                </a:solidFill>
+                <a:latin typeface="Liberation Sans"/>
+                <a:ea typeface="Liberation Sans"/>
+                <a:cs typeface="Liberation Sans"/>
+              </a:rPr>
+              <a:t>.</a:t>
+            </a:r>
+            <a:r>
+              <a:rPr sz="1800" dirty="0">
+                <a:solidFill>
+                  <a:schemeClr val="tx1"/>
+                </a:solidFill>
+              </a:rPr>
+              <a:t/>
             </a:r>
             <a:br>
-              <a:rPr sz="1800">
+              <a:rPr sz="1800" dirty="0">
                 <a:solidFill>
                   <a:schemeClr val="tx1"/>
                 </a:solidFill>
               </a:rPr>
             </a:br>
-            <a:endParaRPr sz="1800">
+            <a:endParaRPr sz="1800" dirty="0">
               <a:solidFill>
                 <a:schemeClr val="tx1"/>
               </a:solidFill>
@@ -10911,7 +11367,7 @@
               <a:defRPr/>
             </a:pPr>
             <a:r>
-              <a:rPr sz="1800" b="1" i="0" u="none">
+              <a:rPr sz="1800" b="1" i="0" u="none" dirty="0">
                 <a:solidFill>
                   <a:schemeClr val="tx1"/>
                 </a:solidFill>
@@ -10922,7 +11378,7 @@
               <a:t>difficult():</a:t>
             </a:r>
             <a:r>
-              <a:rPr sz="1800" b="0" i="0" u="none">
+              <a:rPr sz="1800" b="0" i="0" u="none" dirty="0">
                 <a:solidFill>
                   <a:schemeClr val="tx1"/>
                 </a:solidFill>
@@ -10930,16 +11386,112 @@
                 <a:ea typeface="Liberation Sans"/>
                 <a:cs typeface="Liberation Sans"/>
               </a:rPr>
-              <a:t> Окно с выбором уровня сложности.</a:t>
+              <a:t> </a:t>
+            </a:r>
+            <a:r>
+              <a:rPr sz="1800" b="0" i="0" u="none" dirty="0" err="1">
+                <a:solidFill>
+                  <a:schemeClr val="tx1"/>
+                </a:solidFill>
+                <a:latin typeface="Liberation Sans"/>
+                <a:ea typeface="Liberation Sans"/>
+                <a:cs typeface="Liberation Sans"/>
+              </a:rPr>
+              <a:t>Окно</a:t>
+            </a:r>
+            <a:r>
+              <a:rPr sz="1800" b="0" i="0" u="none" dirty="0">
+                <a:solidFill>
+                  <a:schemeClr val="tx1"/>
+                </a:solidFill>
+                <a:latin typeface="Liberation Sans"/>
+                <a:ea typeface="Liberation Sans"/>
+                <a:cs typeface="Liberation Sans"/>
+              </a:rPr>
+              <a:t> с </a:t>
+            </a:r>
+            <a:r>
+              <a:rPr sz="1800" b="0" i="0" u="none" dirty="0" err="1">
+                <a:solidFill>
+                  <a:schemeClr val="tx1"/>
+                </a:solidFill>
+                <a:latin typeface="Liberation Sans"/>
+                <a:ea typeface="Liberation Sans"/>
+                <a:cs typeface="Liberation Sans"/>
+              </a:rPr>
+              <a:t>выбором</a:t>
+            </a:r>
+            <a:r>
+              <a:rPr sz="1800" b="0" i="0" u="none" dirty="0">
+                <a:solidFill>
+                  <a:schemeClr val="tx1"/>
+                </a:solidFill>
+                <a:latin typeface="Liberation Sans"/>
+                <a:ea typeface="Liberation Sans"/>
+                <a:cs typeface="Liberation Sans"/>
+              </a:rPr>
+              <a:t> </a:t>
+            </a:r>
+            <a:r>
+              <a:rPr sz="1800" b="0" i="0" u="none" dirty="0" err="1">
+                <a:solidFill>
+                  <a:schemeClr val="tx1"/>
+                </a:solidFill>
+                <a:latin typeface="Liberation Sans"/>
+                <a:ea typeface="Liberation Sans"/>
+                <a:cs typeface="Liberation Sans"/>
+              </a:rPr>
+              <a:t>уровня</a:t>
+            </a:r>
+            <a:r>
+              <a:rPr sz="1800" b="0" i="0" u="none" dirty="0">
+                <a:solidFill>
+                  <a:schemeClr val="tx1"/>
+                </a:solidFill>
+                <a:latin typeface="Liberation Sans"/>
+                <a:ea typeface="Liberation Sans"/>
+                <a:cs typeface="Liberation Sans"/>
+              </a:rPr>
+              <a:t> </a:t>
+            </a:r>
+            <a:r>
+              <a:rPr sz="1800" b="0" i="0" u="none" dirty="0" err="1">
+                <a:solidFill>
+                  <a:schemeClr val="tx1"/>
+                </a:solidFill>
+                <a:latin typeface="Liberation Sans"/>
+                <a:ea typeface="Liberation Sans"/>
+                <a:cs typeface="Liberation Sans"/>
+              </a:rPr>
+              <a:t>сложности</a:t>
+            </a:r>
+            <a:r>
+              <a:rPr sz="1800" b="0" i="0" u="none" dirty="0">
+                <a:solidFill>
+                  <a:schemeClr val="tx1"/>
+                </a:solidFill>
+                <a:latin typeface="Liberation Sans"/>
+                <a:ea typeface="Liberation Sans"/>
+                <a:cs typeface="Liberation Sans"/>
+              </a:rPr>
+              <a:t>.</a:t>
+            </a:r>
+            <a:r>
+              <a:rPr sz="1800" dirty="0">
+                <a:solidFill>
+                  <a:schemeClr val="tx1"/>
+                </a:solidFill>
+              </a:rPr>
+              <a:t/>
             </a:r>
             <a:br>
-              <a:rPr sz="1800">
+              <a:rPr sz="1800" dirty="0">
                 <a:solidFill>
                   <a:schemeClr val="tx1"/>
                 </a:solidFill>
               </a:rPr>
             </a:br>
-            <a:endParaRPr sz="1800">
+            <a:endParaRPr sz="1800" dirty="0">
               <a:solidFill>
                 <a:schemeClr val="tx1"/>
               </a:solidFill>
@@ -10950,7 +11502,7 @@
               <a:defRPr/>
             </a:pPr>
             <a:r>
-              <a:rPr sz="1800" b="1" i="0" u="none">
+              <a:rPr sz="1800" b="1" i="0" u="none" dirty="0" err="1">
                 <a:solidFill>
                   <a:schemeClr val="tx1"/>
                 </a:solidFill>
@@ -10958,10 +11510,10 @@
                 <a:ea typeface="Liberation Sans"/>
                 <a:cs typeface="Liberation Sans"/>
               </a:rPr>
-              <a:t>gameLobby():</a:t>
+              <a:t>gameLobby</a:t>
             </a:r>
             <a:r>
-              <a:rPr sz="1800" b="0" i="0" u="none">
+              <a:rPr sz="1800" b="1" i="0" u="none" dirty="0">
                 <a:solidFill>
                   <a:schemeClr val="tx1"/>
                 </a:solidFill>
@@ -10969,16 +11521,145 @@
                 <a:ea typeface="Liberation Sans"/>
                 <a:cs typeface="Liberation Sans"/>
               </a:rPr>
-              <a:t> Лобби, предоставляющее доступ к разным профессиям.</a:t>
+              <a:t>():</a:t>
+            </a:r>
+            <a:r>
+              <a:rPr sz="1800" b="0" i="0" u="none" dirty="0">
+                <a:solidFill>
+                  <a:schemeClr val="tx1"/>
+                </a:solidFill>
+                <a:latin typeface="Liberation Sans"/>
+                <a:ea typeface="Liberation Sans"/>
+                <a:cs typeface="Liberation Sans"/>
+              </a:rPr>
+              <a:t> </a:t>
+            </a:r>
+            <a:r>
+              <a:rPr sz="1800" b="0" i="0" u="none" dirty="0" err="1">
+                <a:solidFill>
+                  <a:schemeClr val="tx1"/>
+                </a:solidFill>
+                <a:latin typeface="Liberation Sans"/>
+                <a:ea typeface="Liberation Sans"/>
+                <a:cs typeface="Liberation Sans"/>
+              </a:rPr>
+              <a:t>Лобби</a:t>
+            </a:r>
+            <a:r>
+              <a:rPr sz="1800" b="0" i="0" u="none" dirty="0">
+                <a:solidFill>
+                  <a:schemeClr val="tx1"/>
+                </a:solidFill>
+                <a:latin typeface="Liberation Sans"/>
+                <a:ea typeface="Liberation Sans"/>
+                <a:cs typeface="Liberation Sans"/>
+              </a:rPr>
+              <a:t>, </a:t>
+            </a:r>
+            <a:r>
+              <a:rPr sz="1800" b="0" i="0" u="none" dirty="0" err="1">
+                <a:solidFill>
+                  <a:schemeClr val="tx1"/>
+                </a:solidFill>
+                <a:latin typeface="Liberation Sans"/>
+                <a:ea typeface="Liberation Sans"/>
+                <a:cs typeface="Liberation Sans"/>
+              </a:rPr>
+              <a:t>предоставляющее</a:t>
+            </a:r>
+            <a:r>
+              <a:rPr sz="1800" b="0" i="0" u="none" dirty="0">
+                <a:solidFill>
+                  <a:schemeClr val="tx1"/>
+                </a:solidFill>
+                <a:latin typeface="Liberation Sans"/>
+                <a:ea typeface="Liberation Sans"/>
+                <a:cs typeface="Liberation Sans"/>
+              </a:rPr>
+              <a:t> </a:t>
+            </a:r>
+            <a:r>
+              <a:rPr sz="1800" b="0" i="0" u="none" dirty="0" err="1">
+                <a:solidFill>
+                  <a:schemeClr val="tx1"/>
+                </a:solidFill>
+                <a:latin typeface="Liberation Sans"/>
+                <a:ea typeface="Liberation Sans"/>
+                <a:cs typeface="Liberation Sans"/>
+              </a:rPr>
+              <a:t>доступ</a:t>
+            </a:r>
+            <a:r>
+              <a:rPr sz="1800" b="0" i="0" u="none" dirty="0">
+                <a:solidFill>
+                  <a:schemeClr val="tx1"/>
+                </a:solidFill>
+                <a:latin typeface="Liberation Sans"/>
+                <a:ea typeface="Liberation Sans"/>
+                <a:cs typeface="Liberation Sans"/>
+              </a:rPr>
+              <a:t> к </a:t>
+            </a:r>
+            <a:r>
+              <a:rPr sz="1800" b="0" i="0" u="none" dirty="0" err="1">
+                <a:solidFill>
+                  <a:schemeClr val="tx1"/>
+                </a:solidFill>
+                <a:latin typeface="Liberation Sans"/>
+                <a:ea typeface="Liberation Sans"/>
+                <a:cs typeface="Liberation Sans"/>
+              </a:rPr>
+              <a:t>разным</a:t>
+            </a:r>
+            <a:r>
+              <a:rPr sz="1800" b="0" i="0" u="none" dirty="0">
+                <a:solidFill>
+                  <a:schemeClr val="tx1"/>
+                </a:solidFill>
+                <a:latin typeface="Liberation Sans"/>
+                <a:ea typeface="Liberation Sans"/>
+                <a:cs typeface="Liberation Sans"/>
+              </a:rPr>
+              <a:t> </a:t>
+            </a:r>
+            <a:r>
+              <a:rPr sz="1800" b="0" i="0" u="none" dirty="0" err="1">
+                <a:solidFill>
+                  <a:schemeClr val="tx1"/>
+                </a:solidFill>
+                <a:latin typeface="Liberation Sans"/>
+                <a:ea typeface="Liberation Sans"/>
+                <a:cs typeface="Liberation Sans"/>
+              </a:rPr>
+              <a:t>профессиям</a:t>
+            </a:r>
+            <a:r>
+              <a:rPr sz="1800" b="0" i="0" u="none" dirty="0">
+                <a:solidFill>
+                  <a:schemeClr val="tx1"/>
+                </a:solidFill>
+                <a:latin typeface="Liberation Sans"/>
+                <a:ea typeface="Liberation Sans"/>
+                <a:cs typeface="Liberation Sans"/>
+              </a:rPr>
+              <a:t>.</a:t>
+            </a:r>
+            <a:r>
+              <a:rPr sz="1800" dirty="0">
+                <a:solidFill>
+                  <a:schemeClr val="tx1"/>
+                </a:solidFill>
+              </a:rPr>
+              <a:t/>
             </a:r>
             <a:br>
-              <a:rPr sz="1800">
+              <a:rPr sz="1800" dirty="0">
                 <a:solidFill>
                   <a:schemeClr val="tx1"/>
                 </a:solidFill>
               </a:rPr>
             </a:br>
-            <a:endParaRPr sz="1800">
+            <a:endParaRPr sz="1800" dirty="0">
               <a:solidFill>
                 <a:schemeClr val="tx1"/>
               </a:solidFill>
@@ -10989,7 +11670,7 @@
               <a:defRPr/>
             </a:pPr>
             <a:r>
-              <a:rPr sz="1800" b="1" i="0" u="none">
+              <a:rPr sz="1800" b="1" i="0" u="none" dirty="0" err="1">
                 <a:solidFill>
                   <a:schemeClr val="tx1"/>
                 </a:solidFill>
@@ -10997,10 +11678,10 @@
                 <a:ea typeface="Liberation Sans"/>
                 <a:cs typeface="Liberation Sans"/>
               </a:rPr>
-              <a:t>HappyFarmer():</a:t>
+              <a:t>HappyFarmer</a:t>
             </a:r>
             <a:r>
-              <a:rPr sz="1800" b="0" i="0" u="none">
+              <a:rPr sz="1800" b="1" i="0" u="none" dirty="0">
                 <a:solidFill>
                   <a:schemeClr val="tx1"/>
                 </a:solidFill>
@@ -11008,16 +11689,101 @@
                 <a:ea typeface="Liberation Sans"/>
                 <a:cs typeface="Liberation Sans"/>
               </a:rPr>
-              <a:t> Мини-игра "Весёлый Фермер".</a:t>
+              <a:t>():</a:t>
+            </a:r>
+            <a:r>
+              <a:rPr sz="1800" b="0" i="0" u="none" dirty="0">
+                <a:solidFill>
+                  <a:schemeClr val="tx1"/>
+                </a:solidFill>
+                <a:latin typeface="Liberation Sans"/>
+                <a:ea typeface="Liberation Sans"/>
+                <a:cs typeface="Liberation Sans"/>
+              </a:rPr>
+              <a:t> </a:t>
+            </a:r>
+            <a:r>
+              <a:rPr sz="1800" b="0" i="0" u="none" dirty="0" err="1">
+                <a:solidFill>
+                  <a:schemeClr val="tx1"/>
+                </a:solidFill>
+                <a:latin typeface="Liberation Sans"/>
+                <a:ea typeface="Liberation Sans"/>
+                <a:cs typeface="Liberation Sans"/>
+              </a:rPr>
+              <a:t>Мини-игра</a:t>
+            </a:r>
+            <a:r>
+              <a:rPr sz="1800" b="0" i="0" u="none" dirty="0">
+                <a:solidFill>
+                  <a:schemeClr val="tx1"/>
+                </a:solidFill>
+                <a:latin typeface="Liberation Sans"/>
+                <a:ea typeface="Liberation Sans"/>
+                <a:cs typeface="Liberation Sans"/>
+              </a:rPr>
+              <a:t> "</a:t>
+            </a:r>
+            <a:r>
+              <a:rPr sz="1800" b="0" i="0" u="none" dirty="0" err="1">
+                <a:solidFill>
+                  <a:schemeClr val="tx1"/>
+                </a:solidFill>
+                <a:latin typeface="Liberation Sans"/>
+                <a:ea typeface="Liberation Sans"/>
+                <a:cs typeface="Liberation Sans"/>
+              </a:rPr>
+              <a:t>Весёлый</a:t>
+            </a:r>
+            <a:r>
+              <a:rPr sz="1800" b="0" i="0" u="none" dirty="0">
+                <a:solidFill>
+                  <a:schemeClr val="tx1"/>
+                </a:solidFill>
+                <a:latin typeface="Liberation Sans"/>
+                <a:ea typeface="Liberation Sans"/>
+                <a:cs typeface="Liberation Sans"/>
+              </a:rPr>
+              <a:t> </a:t>
+            </a:r>
+            <a:r>
+              <a:rPr sz="1800" b="0" i="0" u="none" dirty="0" err="1">
+                <a:solidFill>
+                  <a:schemeClr val="tx1"/>
+                </a:solidFill>
+                <a:latin typeface="Liberation Sans"/>
+                <a:ea typeface="Liberation Sans"/>
+                <a:cs typeface="Liberation Sans"/>
+              </a:rPr>
+              <a:t>Фермер</a:t>
+            </a:r>
+            <a:r>
+              <a:rPr sz="1800" b="0" i="0" u="none" dirty="0">
+                <a:solidFill>
+                  <a:schemeClr val="tx1"/>
+                </a:solidFill>
+                <a:latin typeface="Liberation Sans"/>
+                <a:ea typeface="Liberation Sans"/>
+                <a:cs typeface="Liberation Sans"/>
+              </a:rPr>
+              <a:t>".</a:t>
+            </a:r>
+            <a:r>
+              <a:rPr sz="1800" dirty="0">
+                <a:solidFill>
+                  <a:schemeClr val="tx1"/>
+                </a:solidFill>
+              </a:rPr>
+              <a:t/>
             </a:r>
             <a:br>
-              <a:rPr sz="1800">
+              <a:rPr sz="1800" dirty="0">
                 <a:solidFill>
                   <a:schemeClr val="tx1"/>
                 </a:solidFill>
               </a:rPr>
             </a:br>
-            <a:endParaRPr sz="1800">
+            <a:endParaRPr sz="1800" dirty="0">
               <a:solidFill>
                 <a:schemeClr val="tx1"/>
               </a:solidFill>
@@ -11028,7 +11794,7 @@
               <a:defRPr/>
             </a:pPr>
             <a:r>
-              <a:rPr sz="1800" b="1" i="0" u="none">
+              <a:rPr sz="1800" b="1" i="0" u="none" dirty="0" err="1">
                 <a:solidFill>
                   <a:schemeClr val="tx1"/>
                 </a:solidFill>
@@ -11036,10 +11802,10 @@
                 <a:ea typeface="Liberation Sans"/>
                 <a:cs typeface="Liberation Sans"/>
               </a:rPr>
-              <a:t>BuilderTetris():</a:t>
+              <a:t>BuilderTetris</a:t>
             </a:r>
             <a:r>
-              <a:rPr sz="1800" b="0" i="0" u="none">
+              <a:rPr sz="1800" b="1" i="0" u="none" dirty="0">
                 <a:solidFill>
                   <a:schemeClr val="tx1"/>
                 </a:solidFill>
@@ -11047,9 +11813,162 @@
                 <a:ea typeface="Liberation Sans"/>
                 <a:cs typeface="Liberation Sans"/>
               </a:rPr>
-              <a:t> Мини-игра "Строительный Тетрис"</a:t>
+              <a:t>():</a:t>
             </a:r>
-            <a:endParaRPr sz="1800">
+            <a:r>
+              <a:rPr sz="1800" b="0" i="0" u="none" dirty="0">
+                <a:solidFill>
+                  <a:schemeClr val="tx1"/>
+                </a:solidFill>
+                <a:latin typeface="Liberation Sans"/>
+                <a:ea typeface="Liberation Sans"/>
+                <a:cs typeface="Liberation Sans"/>
+              </a:rPr>
+              <a:t> </a:t>
+            </a:r>
+            <a:r>
+              <a:rPr sz="1800" b="0" i="0" u="none" dirty="0" err="1">
+                <a:solidFill>
+                  <a:schemeClr val="tx1"/>
+                </a:solidFill>
+                <a:latin typeface="Liberation Sans"/>
+                <a:ea typeface="Liberation Sans"/>
+                <a:cs typeface="Liberation Sans"/>
+              </a:rPr>
+              <a:t>Мини-игра</a:t>
+            </a:r>
+            <a:r>
+              <a:rPr sz="1800" b="0" i="0" u="none" dirty="0">
+                <a:solidFill>
+                  <a:schemeClr val="tx1"/>
+                </a:solidFill>
+                <a:latin typeface="Liberation Sans"/>
+                <a:ea typeface="Liberation Sans"/>
+                <a:cs typeface="Liberation Sans"/>
+              </a:rPr>
+              <a:t> "</a:t>
+            </a:r>
+            <a:r>
+              <a:rPr sz="1800" b="0" i="0" u="none" dirty="0" err="1">
+                <a:solidFill>
+                  <a:schemeClr val="tx1"/>
+                </a:solidFill>
+                <a:latin typeface="Liberation Sans"/>
+                <a:ea typeface="Liberation Sans"/>
+                <a:cs typeface="Liberation Sans"/>
+              </a:rPr>
+              <a:t>Строительный</a:t>
+            </a:r>
+            <a:r>
+              <a:rPr sz="1800" b="0" i="0" u="none" dirty="0">
+                <a:solidFill>
+                  <a:schemeClr val="tx1"/>
+                </a:solidFill>
+                <a:latin typeface="Liberation Sans"/>
+                <a:ea typeface="Liberation Sans"/>
+                <a:cs typeface="Liberation Sans"/>
+              </a:rPr>
+              <a:t> </a:t>
+            </a:r>
+            <a:r>
+              <a:rPr sz="1800" b="0" i="0" u="none" dirty="0" err="1">
+                <a:solidFill>
+                  <a:schemeClr val="tx1"/>
+                </a:solidFill>
+                <a:latin typeface="Liberation Sans"/>
+                <a:ea typeface="Liberation Sans"/>
+                <a:cs typeface="Liberation Sans"/>
+              </a:rPr>
+              <a:t>Тетрис</a:t>
+            </a:r>
+            <a:r>
+              <a:rPr sz="1800" b="0" i="0" u="none" dirty="0" smtClean="0">
+                <a:solidFill>
+                  <a:schemeClr val="tx1"/>
+                </a:solidFill>
+                <a:latin typeface="Liberation Sans"/>
+                <a:ea typeface="Liberation Sans"/>
+                <a:cs typeface="Liberation Sans"/>
+              </a:rPr>
+              <a:t>"</a:t>
+            </a:r>
+            <a:r>
+              <a:rPr lang="ru-RU" sz="1800" b="0" i="0" u="none" dirty="0" smtClean="0">
+                <a:solidFill>
+                  <a:schemeClr val="tx1"/>
+                </a:solidFill>
+                <a:latin typeface="Liberation Sans"/>
+                <a:ea typeface="Liberation Sans"/>
+                <a:cs typeface="Liberation Sans"/>
+              </a:rPr>
+              <a:t/>
+            </a:r>
+            <a:br>
+              <a:rPr lang="ru-RU" sz="1800" b="0" i="0" u="none" dirty="0" smtClean="0">
+                <a:solidFill>
+                  <a:schemeClr val="tx1"/>
+                </a:solidFill>
+                <a:latin typeface="Liberation Sans"/>
+                <a:ea typeface="Liberation Sans"/>
+                <a:cs typeface="Liberation Sans"/>
+              </a:rPr>
+            </a:br>
+            <a:r>
+              <a:rPr lang="ru-RU" sz="1800" b="0" dirty="0">
+                <a:latin typeface="Liberation Sans"/>
+                <a:ea typeface="Liberation Sans"/>
+                <a:cs typeface="Liberation Sans"/>
+              </a:rPr>
+              <a:t/>
+            </a:r>
+            <a:br>
+              <a:rPr lang="ru-RU" sz="1800" b="0" dirty="0">
+                <a:latin typeface="Liberation Sans"/>
+                <a:ea typeface="Liberation Sans"/>
+                <a:cs typeface="Liberation Sans"/>
+              </a:rPr>
+            </a:br>
+            <a:r>
+              <a:rPr lang="en-US" sz="1800" dirty="0" err="1" smtClean="0">
+                <a:latin typeface="Liberation Sans"/>
+                <a:ea typeface="Liberation Sans"/>
+                <a:cs typeface="Liberation Sans"/>
+              </a:rPr>
+              <a:t>YoungAvia</a:t>
+            </a:r>
+            <a:r>
+              <a:rPr lang="en-US" sz="1800" smtClean="0">
+                <a:latin typeface="Liberation Sans"/>
+                <a:ea typeface="Liberation Sans"/>
+                <a:cs typeface="Liberation Sans"/>
+              </a:rPr>
+              <a:t>():</a:t>
+            </a:r>
+            <a:r>
+              <a:rPr lang="en-US" sz="1800" b="0" smtClean="0">
+                <a:latin typeface="Liberation Sans"/>
+                <a:ea typeface="Liberation Sans"/>
+                <a:cs typeface="Liberation Sans"/>
+              </a:rPr>
+              <a:t> </a:t>
+            </a:r>
+            <a:r>
+              <a:rPr lang="ru-RU" sz="1800" b="0" dirty="0">
+                <a:latin typeface="Liberation Sans"/>
+                <a:ea typeface="Liberation Sans"/>
+                <a:cs typeface="Liberation Sans"/>
+              </a:rPr>
+              <a:t>Мини-игра </a:t>
+            </a:r>
+            <a:r>
+              <a:rPr lang="ru-RU" sz="1800" b="0" dirty="0" smtClean="0">
+                <a:latin typeface="Liberation Sans"/>
+                <a:ea typeface="Liberation Sans"/>
+                <a:cs typeface="Liberation Sans"/>
+              </a:rPr>
+              <a:t>«Юный Авиаинженер»</a:t>
+            </a:r>
+            <a:endParaRPr sz="1800" dirty="0">
               <a:solidFill>
                 <a:schemeClr val="tx1"/>
               </a:solidFill>
@@ -12672,6 +13591,14 @@
                 <a:cs typeface="Liberation Sans"/>
               </a:rPr>
               <a:t>Проект "Мир труда" успешно сочетает в себе образование и развлечение, предоставляя игрокам возможность погрузиться в мир различных рабочих профессий. Возможности для доработки включают расширение списка профессий, добавление новых уровней сложности и улучшение геймплея. Этот проект способствует формированию интереса к трудовым профессиям и обогащению образовательного опыта.</a:t>
+            </a:r>
+            <a:r>
+              <a:rPr lang="en-US" sz="1600">
+                <a:solidFill>
+                  <a:schemeClr val="tx1"/>
+                </a:solidFill>
+              </a:rPr>
+              <a:t/>
             </a:r>
             <a:br>
               <a:rPr lang="en-US" sz="1600">
